--- a/files/slides/lecture_5.pptx
+++ b/files/slides/lecture_5.pptx
@@ -10794,7 +10794,9 @@
   <dgm:styleData>
     <dgm:dataModel>
       <dgm:ptLst>
-        <dgm:pt modelId="0" type="doc"/>
+        <dgm:pt modelId="0" type="doc">
+          <dgm:prSet qsTypeId="urn:microsoft.com/office/officeart/2005/8/quickstyle/simple5"/>
+        </dgm:pt>
         <dgm:pt modelId="1"/>
         <dgm:pt modelId="11"/>
         <dgm:pt modelId="2"/>
@@ -11028,7 +11030,9 @@
   <dgm:styleData>
     <dgm:dataModel>
       <dgm:ptLst>
-        <dgm:pt modelId="0" type="doc"/>
+        <dgm:pt modelId="0" type="doc">
+          <dgm:prSet qsTypeId="urn:microsoft.com/office/officeart/2005/8/quickstyle/simple5"/>
+        </dgm:pt>
         <dgm:pt modelId="1"/>
       </dgm:ptLst>
       <dgm:cxnLst>
@@ -11283,7 +11287,9 @@
   <dgm:styleData>
     <dgm:dataModel>
       <dgm:ptLst>
-        <dgm:pt modelId="0" type="doc"/>
+        <dgm:pt modelId="0" type="doc">
+          <dgm:prSet qsTypeId="urn:microsoft.com/office/officeart/2005/8/quickstyle/simple5"/>
+        </dgm:pt>
         <dgm:pt modelId="1"/>
         <dgm:pt modelId="11"/>
         <dgm:pt modelId="2"/>
@@ -11517,7 +11523,9 @@
   <dgm:styleData>
     <dgm:dataModel>
       <dgm:ptLst>
-        <dgm:pt modelId="0" type="doc"/>
+        <dgm:pt modelId="0" type="doc">
+          <dgm:prSet qsTypeId="urn:microsoft.com/office/officeart/2005/8/quickstyle/simple5"/>
+        </dgm:pt>
         <dgm:pt modelId="1"/>
         <dgm:pt modelId="11"/>
         <dgm:pt modelId="12"/>
@@ -26030,8 +26038,8 @@
         </p:nvSpPr>
         <p:spPr>
           <a:xfrm>
-            <a:off x="11282767" y="3321612"/>
-            <a:ext cx="2355741" cy="2677656"/>
+            <a:off x="11311890" y="3016885"/>
+            <a:ext cx="2593975" cy="3969385"/>
           </a:xfrm>
           <a:prstGeom prst="rect">
             <a:avLst/>
@@ -26148,7 +26156,7 @@
             </a:lvl9pPr>
           </a:lstStyle>
           <a:p>
-            <a:pPr algn="just">
+            <a:pPr algn="l">
               <a:spcBef>
                 <a:spcPct val="20000"/>
               </a:spcBef>
@@ -26165,7 +26173,27 @@
                 <a:latin typeface="Candara" panose="020E0502030303020204" pitchFamily="34" charset="0"/>
                 <a:ea typeface="华文楷体" panose="02010600040101010101" pitchFamily="2" charset="-122"/>
               </a:rPr>
-              <a:t>range</a:t>
+              <a:t>range() 函数返回的是一个可迭代对象</a:t>
+            </a:r>
+            <a:r>
+              <a:rPr lang="zh-CN" altLang="en-US" sz="2800" dirty="0" smtClean="0">
+                <a:solidFill>
+                  <a:srgbClr val="FF0000"/>
+                </a:solidFill>
+                <a:latin typeface="Candara" panose="020E0502030303020204" pitchFamily="34" charset="0"/>
+                <a:ea typeface="华文楷体" panose="02010600040101010101" pitchFamily="2" charset="-122"/>
+              </a:rPr>
+              <a:t>，可以用</a:t>
+            </a:r>
+            <a:r>
+              <a:rPr lang="en-US" altLang="zh-CN" sz="2800" dirty="0" smtClean="0">
+                <a:solidFill>
+                  <a:srgbClr val="FF0000"/>
+                </a:solidFill>
+                <a:latin typeface="Candara" panose="020E0502030303020204" pitchFamily="34" charset="0"/>
+                <a:ea typeface="华文楷体" panose="02010600040101010101" pitchFamily="2" charset="-122"/>
+              </a:rPr>
+              <a:t>list</a:t>
             </a:r>
             <a:r>
               <a:rPr lang="zh-CN" altLang="en-US" sz="2800" dirty="0">
@@ -26175,7 +26203,7 @@
                 <a:latin typeface="Candara" panose="020E0502030303020204" pitchFamily="34" charset="0"/>
                 <a:ea typeface="华文楷体" panose="02010600040101010101" pitchFamily="2" charset="-122"/>
               </a:rPr>
-              <a:t>函数返回一个列表，</a:t>
+              <a:t>函数将其转换为一个列表，</a:t>
             </a:r>
             <a:r>
               <a:rPr lang="zh-CN" altLang="en-US" sz="2800" dirty="0" smtClean="0">
@@ -26971,7 +26999,7 @@
           </p:nvPr>
         </p:nvGraphicFramePr>
         <p:xfrm>
-          <a:off x="917508" y="2743200"/>
+          <a:off x="917508" y="2695575"/>
           <a:ext cx="12600121" cy="4030133"/>
         </p:xfrm>
         <a:graphic>
@@ -27913,8 +27941,8 @@
         </p:nvSpPr>
         <p:spPr>
           <a:xfrm>
-            <a:off x="1495274" y="1317280"/>
-            <a:ext cx="9744075" cy="1462228"/>
+            <a:off x="1495425" y="1316990"/>
+            <a:ext cx="9744075" cy="807085"/>
           </a:xfrm>
         </p:spPr>
         <p:txBody>
